--- a/게임엔진1/Unity2019(02 Input) 그림.pptx
+++ b/게임엔진1/Unity2019(02 Input) 그림.pptx
@@ -174,7 +174,7 @@
           <a:p>
             <a:fld id="{C6E583CC-EBF2-4B13-92FD-CD14F5A54D3D}" type="datetimeFigureOut">
               <a:rPr lang="ko-KR" altLang="en-US" smtClean="0"/>
-              <a:t>2019-03-27</a:t>
+              <a:t>2019-04-09</a:t>
             </a:fld>
             <a:endParaRPr lang="ko-KR" altLang="en-US"/>
           </a:p>
@@ -387,7 +387,7 @@
           <a:p>
             <a:fld id="{C6E583CC-EBF2-4B13-92FD-CD14F5A54D3D}" type="datetimeFigureOut">
               <a:rPr lang="ko-KR" altLang="en-US" smtClean="0"/>
-              <a:t>2019-03-27</a:t>
+              <a:t>2019-04-09</a:t>
             </a:fld>
             <a:endParaRPr lang="ko-KR" altLang="en-US"/>
           </a:p>
@@ -1099,6 +1099,51 @@
           </a:prstGeom>
         </p:spPr>
       </p:pic>
+      <p:sp>
+        <p:nvSpPr>
+          <p:cNvPr id="4" name="TextBox 3"/>
+          <p:cNvSpPr txBox="1"/>
+          <p:nvPr/>
+        </p:nvSpPr>
+        <p:spPr>
+          <a:xfrm>
+            <a:off x="179512" y="2492896"/>
+            <a:ext cx="2129750" cy="276999"/>
+          </a:xfrm>
+          <a:prstGeom prst="rect">
+            <a:avLst/>
+          </a:prstGeom>
+          <a:noFill/>
+        </p:spPr>
+        <p:txBody>
+          <a:bodyPr wrap="none" rtlCol="0">
+            <a:spAutoFit/>
+          </a:bodyPr>
+          <a:lstStyle/>
+          <a:p>
+            <a:r>
+              <a:rPr lang="en-US" altLang="ko-KR" sz="1200" dirty="0" smtClean="0"/>
+              <a:t>Horizontal </a:t>
+            </a:r>
+            <a:r>
+              <a:rPr lang="ko-KR" altLang="en-US" sz="1200" dirty="0" smtClean="0"/>
+              <a:t>좌우 </a:t>
+            </a:r>
+            <a:r>
+              <a:rPr lang="en-US" altLang="ko-KR" sz="1200" dirty="0" smtClean="0"/>
+              <a:t>vertical</a:t>
+            </a:r>
+            <a:r>
+              <a:rPr lang="ko-KR" altLang="en-US" sz="1200" dirty="0" smtClean="0"/>
+              <a:t>상</a:t>
+            </a:r>
+            <a:r>
+              <a:rPr lang="ko-KR" altLang="en-US" sz="1200" dirty="0"/>
+              <a:t>하</a:t>
+            </a:r>
+          </a:p>
+        </p:txBody>
+      </p:sp>
     </p:spTree>
     <p:extLst>
       <p:ext uri="{BB962C8B-B14F-4D97-AF65-F5344CB8AC3E}">
@@ -1962,7 +2007,7 @@
   <a:extraClrSchemeLst/>
   <a:extLst>
     <a:ext uri="{05A4C25C-085E-4340-85A3-A5531E510DB2}">
-      <thm15:themeFamily xmlns:thm15="http://schemas.microsoft.com/office/thememl/2012/main" name="Office Theme" id="{62F939B6-93AF-4DB8-9C6B-D6C7DFDC589F}" vid="{4A3C46E8-61CC-4603-A589-7422A47A8E4A}"/>
+      <thm15:themeFamily xmlns:thm15="http://schemas.microsoft.com/office/thememl/2012/main" xmlns="" name="Office Theme" id="{62F939B6-93AF-4DB8-9C6B-D6C7DFDC589F}" vid="{4A3C46E8-61CC-4603-A589-7422A47A8E4A}"/>
     </a:ext>
   </a:extLst>
 </a:theme>
